--- a/PPT/H5新特性--10个.pptx
+++ b/PPT/H5新特性--10个.pptx
@@ -119,6 +119,22 @@
       </a:defRPr>
     </a:lvl9pPr>
   </p:defaultTextStyle>
+  <p:extLst>
+    <p:ext uri="{EFAFB233-063F-42B5-8137-9DF3F51BA10A}">
+      <p15:sldGuideLst xmlns:p15="http://schemas.microsoft.com/office/powerpoint/2012/main">
+        <p15:guide id="1" orient="horz" pos="2160">
+          <p15:clr>
+            <a:srgbClr val="A4A3A4"/>
+          </p15:clr>
+        </p15:guide>
+        <p15:guide id="2" pos="2880">
+          <p15:clr>
+            <a:srgbClr val="A4A3A4"/>
+          </p15:clr>
+        </p15:guide>
+      </p15:sldGuideLst>
+    </p:ext>
+  </p:extLst>
 </p:presentation>
 </file>
 
@@ -2880,7 +2896,7 @@
             <a:fld id="{0A98AF03-7270-45C2-A683-C5E353EF01A5}" type="datetime4">
               <a:rPr lang="en-US" smtClean="0"/>
               <a:pPr/>
-              <a:t>June 21, 2019</a:t>
+              <a:t>July 5, 2019</a:t>
             </a:fld>
             <a:endParaRPr lang="en-US" dirty="0"/>
           </a:p>
@@ -3167,7 +3183,7 @@
             <a:fld id="{A2FB5AFD-D735-4504-A039-ADEBB6448D55}" type="datetime4">
               <a:rPr lang="en-US" smtClean="0"/>
               <a:pPr/>
-              <a:t>June 21, 2019</a:t>
+              <a:t>July 5, 2019</a:t>
             </a:fld>
             <a:endParaRPr lang="en-US"/>
           </a:p>
@@ -3344,7 +3360,7 @@
             <a:fld id="{AB5C8118-FB93-4E87-B380-0175F2FE2167}" type="datetime4">
               <a:rPr lang="en-US" smtClean="0"/>
               <a:pPr/>
-              <a:t>June 21, 2019</a:t>
+              <a:t>July 5, 2019</a:t>
             </a:fld>
             <a:endParaRPr lang="en-US"/>
           </a:p>
@@ -3511,7 +3527,7 @@
             <a:fld id="{05A93482-8E69-40F7-BCAD-5662A6CADB27}" type="datetime4">
               <a:rPr lang="en-US" smtClean="0"/>
               <a:pPr/>
-              <a:t>June 21, 2019</a:t>
+              <a:t>July 5, 2019</a:t>
             </a:fld>
             <a:endParaRPr lang="en-US"/>
           </a:p>
@@ -3754,7 +3770,7 @@
             <a:fld id="{FBB7EAE1-CAAC-4AEF-919E-158692B1E55E}" type="datetime4">
               <a:rPr lang="en-US" smtClean="0"/>
               <a:pPr/>
-              <a:t>June 21, 2019</a:t>
+              <a:t>July 5, 2019</a:t>
             </a:fld>
             <a:endParaRPr lang="en-US"/>
           </a:p>
@@ -3869,7 +3885,7 @@
             <a:fld id="{9525A706-D8F2-4D1A-855A-CADC92600C26}" type="datetime4">
               <a:rPr lang="en-US" smtClean="0"/>
               <a:pPr/>
-              <a:t>June 21, 2019</a:t>
+              <a:t>July 5, 2019</a:t>
             </a:fld>
             <a:endParaRPr lang="en-US"/>
           </a:p>
@@ -4410,7 +4426,7 @@
             <a:fld id="{99B4F123-1704-49AC-9D15-C4B1462B8014}" type="datetime4">
               <a:rPr lang="en-US" smtClean="0"/>
               <a:pPr/>
-              <a:t>June 21, 2019</a:t>
+              <a:t>July 5, 2019</a:t>
             </a:fld>
             <a:endParaRPr lang="en-US"/>
           </a:p>
@@ -4525,7 +4541,7 @@
             <a:fld id="{E3127EC2-47FB-48A1-8644-C8A81DDAA119}" type="datetime4">
               <a:rPr lang="en-US" smtClean="0"/>
               <a:pPr/>
-              <a:t>June 21, 2019</a:t>
+              <a:t>July 5, 2019</a:t>
             </a:fld>
             <a:endParaRPr lang="en-US"/>
           </a:p>
@@ -4617,7 +4633,7 @@
             <a:fld id="{AE3EC3ED-7435-49F9-84C8-03CCA2F8DEDB}" type="datetime4">
               <a:rPr lang="en-US" smtClean="0"/>
               <a:pPr/>
-              <a:t>June 21, 2019</a:t>
+              <a:t>July 5, 2019</a:t>
             </a:fld>
             <a:endParaRPr lang="en-US"/>
           </a:p>
@@ -7270,7 +7286,7 @@
             <a:fld id="{3FC49BF1-FCD3-4395-8FF6-0047AF66228E}" type="datetime4">
               <a:rPr lang="en-US" smtClean="0"/>
               <a:pPr/>
-              <a:t>June 21, 2019</a:t>
+              <a:t>July 5, 2019</a:t>
             </a:fld>
             <a:endParaRPr lang="en-US"/>
           </a:p>
@@ -10484,7 +10500,7 @@
             <a:fld id="{CA861222-2C8B-4501-BE87-6797EC025925}" type="datetime4">
               <a:rPr lang="en-US" smtClean="0"/>
               <a:pPr/>
-              <a:t>June 21, 2019</a:t>
+              <a:t>July 5, 2019</a:t>
             </a:fld>
             <a:endParaRPr lang="en-US"/>
           </a:p>
@@ -13308,7 +13324,7 @@
             <a:fld id="{16C01193-8287-4834-A286-6B880643E934}" type="datetime4">
               <a:rPr lang="en-US" smtClean="0"/>
               <a:pPr/>
-              <a:t>June 21, 2019</a:t>
+              <a:t>July 5, 2019</a:t>
             </a:fld>
             <a:endParaRPr lang="en-US"/>
           </a:p>
@@ -13860,7 +13876,7 @@
             <a:fld id="{0A98AF03-7270-45C2-A683-C5E353EF01A5}" type="datetime4">
               <a:rPr lang="en-US" smtClean="0"/>
               <a:pPr/>
-              <a:t>June 21, 2019</a:t>
+              <a:t>July 5, 2019</a:t>
             </a:fld>
             <a:endParaRPr lang="en-US" dirty="0"/>
           </a:p>
@@ -13998,14 +14014,7 @@
                 <a:latin typeface="Yu Gothic Medium" pitchFamily="34" charset="-128"/>
                 <a:ea typeface="Yu Gothic Medium" pitchFamily="34" charset="-128"/>
               </a:rPr>
-              <a:t>于一体的技术</a:t>
-            </a:r>
-            <a:r>
-              <a:rPr lang="zh-CN" altLang="en-US" dirty="0">
-                <a:latin typeface="Yu Gothic Medium" pitchFamily="34" charset="-128"/>
-                <a:ea typeface="Yu Gothic Medium" pitchFamily="34" charset="-128"/>
-              </a:rPr>
-              <a:t>组合</a:t>
+              <a:t>于一体的技术组合</a:t>
             </a:r>
             <a:endParaRPr lang="en-US" altLang="zh-CN" dirty="0">
               <a:latin typeface="Yu Gothic Medium" pitchFamily="34" charset="-128"/>
@@ -14159,7 +14168,7 @@
             <a:fld id="{05A93482-8E69-40F7-BCAD-5662A6CADB27}" type="datetime4">
               <a:rPr lang="en-US" smtClean="0"/>
               <a:pPr/>
-              <a:t>June 21, 2019</a:t>
+              <a:t>July 5, 2019</a:t>
             </a:fld>
             <a:endParaRPr lang="en-US"/>
           </a:p>
@@ -14236,11 +14245,7 @@
             </a:r>
             <a:r>
               <a:rPr lang="zh-CN" altLang="en-US" sz="3600" b="1" dirty="0" smtClean="0"/>
-              <a:t>新特性</a:t>
-            </a:r>
-            <a:r>
-              <a:rPr lang="zh-CN" altLang="en-US" sz="3600" b="1" dirty="0" smtClean="0"/>
-              <a:t>之</a:t>
+              <a:t>新特性之</a:t>
             </a:r>
             <a:r>
               <a:rPr lang="zh-CN" altLang="en-US" sz="3600" b="1" dirty="0"/>
@@ -14525,7 +14530,7 @@
             <a:fld id="{05A93482-8E69-40F7-BCAD-5662A6CADB27}" type="datetime4">
               <a:rPr lang="en-US" smtClean="0"/>
               <a:pPr/>
-              <a:t>June 21, 2019</a:t>
+              <a:t>July 5, 2019</a:t>
             </a:fld>
             <a:endParaRPr lang="en-US"/>
           </a:p>
@@ -14602,11 +14607,7 @@
             </a:r>
             <a:r>
               <a:rPr lang="zh-CN" altLang="en-US" sz="3600" b="1" dirty="0" smtClean="0"/>
-              <a:t>新特性</a:t>
-            </a:r>
-            <a:r>
-              <a:rPr lang="zh-CN" altLang="en-US" sz="3600" b="1" dirty="0" smtClean="0"/>
-              <a:t>之</a:t>
+              <a:t>新特性之</a:t>
             </a:r>
             <a:r>
               <a:rPr lang="zh-CN" altLang="en-US" sz="3600" b="1" dirty="0"/>
@@ -14672,7 +14673,7 @@
             <a:fld id="{05A93482-8E69-40F7-BCAD-5662A6CADB27}" type="datetime4">
               <a:rPr lang="en-US" smtClean="0"/>
               <a:pPr/>
-              <a:t>June 21, 2019</a:t>
+              <a:t>July 5, 2019</a:t>
             </a:fld>
             <a:endParaRPr lang="en-US"/>
           </a:p>
@@ -14730,15 +14731,7 @@
             </a:r>
             <a:r>
               <a:rPr lang="zh-CN" altLang="en-US" sz="3600" b="1" dirty="0" smtClean="0"/>
-              <a:t>新特性</a:t>
-            </a:r>
-            <a:r>
-              <a:rPr lang="zh-CN" altLang="en-US" sz="3600" b="1" dirty="0" smtClean="0"/>
-              <a:t>之</a:t>
-            </a:r>
-            <a:r>
-              <a:rPr lang="zh-CN" altLang="en-US" sz="3600" b="1" dirty="0" smtClean="0"/>
-              <a:t>七</a:t>
+              <a:t>新特性之七</a:t>
             </a:r>
             <a:r>
               <a:rPr lang="en-US" altLang="zh-CN" sz="3600" b="1" dirty="0" smtClean="0"/>
@@ -15247,7 +15240,7 @@
             <a:fld id="{05A93482-8E69-40F7-BCAD-5662A6CADB27}" type="datetime4">
               <a:rPr lang="en-US" smtClean="0"/>
               <a:pPr/>
-              <a:t>June 21, 2019</a:t>
+              <a:t>July 5, 2019</a:t>
             </a:fld>
             <a:endParaRPr lang="en-US"/>
           </a:p>
@@ -15305,11 +15298,7 @@
             </a:r>
             <a:r>
               <a:rPr lang="zh-CN" altLang="en-US" sz="3600" b="1" dirty="0" smtClean="0"/>
-              <a:t>新特性</a:t>
-            </a:r>
-            <a:r>
-              <a:rPr lang="zh-CN" altLang="en-US" sz="3600" b="1" dirty="0" smtClean="0"/>
-              <a:t>之</a:t>
+              <a:t>新特性之</a:t>
             </a:r>
             <a:r>
               <a:rPr lang="zh-CN" altLang="en-US" sz="3600" b="1" dirty="0"/>
@@ -15335,7 +15324,7 @@
         </p:nvSpPr>
         <p:spPr>
           <a:xfrm>
-            <a:off x="606276" y="1556792"/>
+            <a:off x="576896" y="1556792"/>
             <a:ext cx="7931449" cy="2308324"/>
           </a:xfrm>
           <a:prstGeom prst="rect">
@@ -15396,10 +15385,6 @@
               </a:rPr>
               <a:t>在后台运行</a:t>
             </a:r>
-            <a:endParaRPr lang="zh-CN" altLang="en-US" sz="2400" dirty="0">
-              <a:latin typeface="微软雅黑" pitchFamily="34" charset="-122"/>
-              <a:ea typeface="微软雅黑" pitchFamily="34" charset="-122"/>
-            </a:endParaRPr>
           </a:p>
         </p:txBody>
       </p:sp>
@@ -15451,7 +15436,7 @@
             <a:fld id="{05A93482-8E69-40F7-BCAD-5662A6CADB27}" type="datetime4">
               <a:rPr lang="en-US" smtClean="0"/>
               <a:pPr/>
-              <a:t>June 21, 2019</a:t>
+              <a:t>July 5, 2019</a:t>
             </a:fld>
             <a:endParaRPr lang="en-US"/>
           </a:p>
@@ -15509,15 +15494,7 @@
             </a:r>
             <a:r>
               <a:rPr lang="zh-CN" altLang="en-US" sz="3600" b="1" dirty="0" smtClean="0"/>
-              <a:t>新特性</a:t>
-            </a:r>
-            <a:r>
-              <a:rPr lang="zh-CN" altLang="en-US" sz="3600" b="1" dirty="0" smtClean="0"/>
-              <a:t>之</a:t>
-            </a:r>
-            <a:r>
-              <a:rPr lang="zh-CN" altLang="en-US" sz="3600" b="1" dirty="0" smtClean="0"/>
-              <a:t>九</a:t>
+              <a:t>新特性之九</a:t>
             </a:r>
             <a:r>
               <a:rPr lang="en-US" altLang="zh-CN" sz="3600" b="1" dirty="0" smtClean="0"/>
@@ -15881,7 +15858,7 @@
             <a:fld id="{05A93482-8E69-40F7-BCAD-5662A6CADB27}" type="datetime4">
               <a:rPr lang="en-US" smtClean="0"/>
               <a:pPr/>
-              <a:t>June 21, 2019</a:t>
+              <a:t>July 5, 2019</a:t>
             </a:fld>
             <a:endParaRPr lang="en-US"/>
           </a:p>
@@ -15939,11 +15916,7 @@
             </a:r>
             <a:r>
               <a:rPr lang="zh-CN" altLang="en-US" sz="3600" b="1" dirty="0" smtClean="0"/>
-              <a:t>新特性</a:t>
-            </a:r>
-            <a:r>
-              <a:rPr lang="zh-CN" altLang="en-US" sz="3600" b="1" dirty="0" smtClean="0"/>
-              <a:t>之</a:t>
+              <a:t>新特性之</a:t>
             </a:r>
             <a:r>
               <a:rPr lang="zh-CN" altLang="en-US" sz="3600" b="1" dirty="0"/>
@@ -16023,7 +15996,21 @@
                 <a:latin typeface="Yu Gothic UI Semilight" pitchFamily="34" charset="-128"/>
                 <a:ea typeface="Yu Gothic UI Semilight" pitchFamily="34" charset="-128"/>
               </a:rPr>
-              <a:t>连接上进行全双工通讯的协议。</a:t>
+              <a:t>连接上进行全双工通讯的</a:t>
+            </a:r>
+            <a:r>
+              <a:rPr lang="zh-CN" altLang="en-US" sz="2800">
+                <a:latin typeface="Yu Gothic UI Semilight" pitchFamily="34" charset="-128"/>
+                <a:ea typeface="Yu Gothic UI Semilight" pitchFamily="34" charset="-128"/>
+              </a:rPr>
+              <a:t>协议</a:t>
+            </a:r>
+            <a:r>
+              <a:rPr lang="zh-CN" altLang="en-US" sz="2800" smtClean="0">
+                <a:latin typeface="Yu Gothic UI Semilight" pitchFamily="34" charset="-128"/>
+                <a:ea typeface="Yu Gothic UI Semilight" pitchFamily="34" charset="-128"/>
+              </a:rPr>
+              <a:t>。可解决跨域问题</a:t>
             </a:r>
             <a:endParaRPr lang="zh-CN" altLang="en-US" sz="2800" dirty="0">
               <a:latin typeface="Yu Gothic UI Semilight" pitchFamily="34" charset="-128"/>
@@ -16111,7 +16098,7 @@
             <a:fld id="{05A93482-8E69-40F7-BCAD-5662A6CADB27}" type="datetime4">
               <a:rPr lang="en-US" smtClean="0"/>
               <a:pPr/>
-              <a:t>June 21, 2019</a:t>
+              <a:t>July 5, 2019</a:t>
             </a:fld>
             <a:endParaRPr lang="en-US"/>
           </a:p>
@@ -16492,7 +16479,7 @@
             <a:fld id="{05A93482-8E69-40F7-BCAD-5662A6CADB27}" type="datetime4">
               <a:rPr lang="en-US" smtClean="0"/>
               <a:pPr/>
-              <a:t>June 21, 2019</a:t>
+              <a:t>July 5, 2019</a:t>
             </a:fld>
             <a:endParaRPr lang="en-US"/>
           </a:p>
@@ -17035,7 +17022,7 @@
             <a:fld id="{05A93482-8E69-40F7-BCAD-5662A6CADB27}" type="datetime4">
               <a:rPr lang="en-US" smtClean="0"/>
               <a:pPr/>
-              <a:t>June 21, 2019</a:t>
+              <a:t>July 5, 2019</a:t>
             </a:fld>
             <a:endParaRPr lang="en-US"/>
           </a:p>
@@ -17180,8 +17167,20 @@
             <a:tbl>
               <a:tblPr/>
               <a:tblGrid>
-                <a:gridCol w="3184583"/>
-                <a:gridCol w="4538139"/>
+                <a:gridCol w="3184583">
+                  <a:extLst>
+                    <a:ext uri="{9D8B030D-6E8A-4147-A177-3AD203B41FA5}">
+                      <a16:colId xmlns:a16="http://schemas.microsoft.com/office/drawing/2014/main" val="20000"/>
+                    </a:ext>
+                  </a:extLst>
+                </a:gridCol>
+                <a:gridCol w="4538139">
+                  <a:extLst>
+                    <a:ext uri="{9D8B030D-6E8A-4147-A177-3AD203B41FA5}">
+                      <a16:colId xmlns:a16="http://schemas.microsoft.com/office/drawing/2014/main" val="20001"/>
+                    </a:ext>
+                  </a:extLst>
+                </a:gridCol>
               </a:tblGrid>
               <a:tr h="328245">
                 <a:tc>
@@ -17303,6 +17302,11 @@
                     </a:solidFill>
                   </a:tcPr>
                 </a:tc>
+                <a:extLst>
+                  <a:ext uri="{0D108BD9-81ED-4DB2-BD59-A6C34878D82A}">
+                    <a16:rowId xmlns:a16="http://schemas.microsoft.com/office/drawing/2014/main" val="10000"/>
+                  </a:ext>
+                </a:extLst>
               </a:tr>
               <a:tr h="328245">
                 <a:tc>
@@ -17424,6 +17428,11 @@
                     </a:solidFill>
                   </a:tcPr>
                 </a:tc>
+                <a:extLst>
+                  <a:ext uri="{0D108BD9-81ED-4DB2-BD59-A6C34878D82A}">
+                    <a16:rowId xmlns:a16="http://schemas.microsoft.com/office/drawing/2014/main" val="10001"/>
+                  </a:ext>
+                </a:extLst>
               </a:tr>
               <a:tr h="328245">
                 <a:tc>
@@ -17570,6 +17579,11 @@
                     </a:solidFill>
                   </a:tcPr>
                 </a:tc>
+                <a:extLst>
+                  <a:ext uri="{0D108BD9-81ED-4DB2-BD59-A6C34878D82A}">
+                    <a16:rowId xmlns:a16="http://schemas.microsoft.com/office/drawing/2014/main" val="10002"/>
+                  </a:ext>
+                </a:extLst>
               </a:tr>
               <a:tr h="328245">
                 <a:tc>
@@ -17728,6 +17742,11 @@
                     </a:solidFill>
                   </a:tcPr>
                 </a:tc>
+                <a:extLst>
+                  <a:ext uri="{0D108BD9-81ED-4DB2-BD59-A6C34878D82A}">
+                    <a16:rowId xmlns:a16="http://schemas.microsoft.com/office/drawing/2014/main" val="10003"/>
+                  </a:ext>
+                </a:extLst>
               </a:tr>
               <a:tr h="328245">
                 <a:tc>
@@ -17867,6 +17886,11 @@
                     </a:solidFill>
                   </a:tcPr>
                 </a:tc>
+                <a:extLst>
+                  <a:ext uri="{0D108BD9-81ED-4DB2-BD59-A6C34878D82A}">
+                    <a16:rowId xmlns:a16="http://schemas.microsoft.com/office/drawing/2014/main" val="10004"/>
+                  </a:ext>
+                </a:extLst>
               </a:tr>
               <a:tr h="328245">
                 <a:tc>
@@ -17988,6 +18012,11 @@
                     </a:solidFill>
                   </a:tcPr>
                 </a:tc>
+                <a:extLst>
+                  <a:ext uri="{0D108BD9-81ED-4DB2-BD59-A6C34878D82A}">
+                    <a16:rowId xmlns:a16="http://schemas.microsoft.com/office/drawing/2014/main" val="10005"/>
+                  </a:ext>
+                </a:extLst>
               </a:tr>
               <a:tr h="328245">
                 <a:tc>
@@ -18109,6 +18138,11 @@
                     </a:solidFill>
                   </a:tcPr>
                 </a:tc>
+                <a:extLst>
+                  <a:ext uri="{0D108BD9-81ED-4DB2-BD59-A6C34878D82A}">
+                    <a16:rowId xmlns:a16="http://schemas.microsoft.com/office/drawing/2014/main" val="10006"/>
+                  </a:ext>
+                </a:extLst>
               </a:tr>
               <a:tr h="328245">
                 <a:tc>
@@ -18230,6 +18264,11 @@
                     </a:solidFill>
                   </a:tcPr>
                 </a:tc>
+                <a:extLst>
+                  <a:ext uri="{0D108BD9-81ED-4DB2-BD59-A6C34878D82A}">
+                    <a16:rowId xmlns:a16="http://schemas.microsoft.com/office/drawing/2014/main" val="10007"/>
+                  </a:ext>
+                </a:extLst>
               </a:tr>
               <a:tr h="328245">
                 <a:tc>
@@ -18351,6 +18390,11 @@
                     </a:solidFill>
                   </a:tcPr>
                 </a:tc>
+                <a:extLst>
+                  <a:ext uri="{0D108BD9-81ED-4DB2-BD59-A6C34878D82A}">
+                    <a16:rowId xmlns:a16="http://schemas.microsoft.com/office/drawing/2014/main" val="10008"/>
+                  </a:ext>
+                </a:extLst>
               </a:tr>
               <a:tr h="328245">
                 <a:tc>
@@ -18479,6 +18523,11 @@
                     </a:solidFill>
                   </a:tcPr>
                 </a:tc>
+                <a:extLst>
+                  <a:ext uri="{0D108BD9-81ED-4DB2-BD59-A6C34878D82A}">
+                    <a16:rowId xmlns:a16="http://schemas.microsoft.com/office/drawing/2014/main" val="10009"/>
+                  </a:ext>
+                </a:extLst>
               </a:tr>
               <a:tr h="328245">
                 <a:tc>
@@ -18600,6 +18649,11 @@
                     </a:solidFill>
                   </a:tcPr>
                 </a:tc>
+                <a:extLst>
+                  <a:ext uri="{0D108BD9-81ED-4DB2-BD59-A6C34878D82A}">
+                    <a16:rowId xmlns:a16="http://schemas.microsoft.com/office/drawing/2014/main" val="10010"/>
+                  </a:ext>
+                </a:extLst>
               </a:tr>
               <a:tr h="328245">
                 <a:tc>
@@ -18737,6 +18791,11 @@
                     </a:solidFill>
                   </a:tcPr>
                 </a:tc>
+                <a:extLst>
+                  <a:ext uri="{0D108BD9-81ED-4DB2-BD59-A6C34878D82A}">
+                    <a16:rowId xmlns:a16="http://schemas.microsoft.com/office/drawing/2014/main" val="10011"/>
+                  </a:ext>
+                </a:extLst>
               </a:tr>
               <a:tr h="328245">
                 <a:tc>
@@ -18858,6 +18917,11 @@
                     </a:solidFill>
                   </a:tcPr>
                 </a:tc>
+                <a:extLst>
+                  <a:ext uri="{0D108BD9-81ED-4DB2-BD59-A6C34878D82A}">
+                    <a16:rowId xmlns:a16="http://schemas.microsoft.com/office/drawing/2014/main" val="10012"/>
+                  </a:ext>
+                </a:extLst>
               </a:tr>
             </a:tbl>
           </a:graphicData>
@@ -18911,7 +18975,7 @@
             <a:fld id="{05A93482-8E69-40F7-BCAD-5662A6CADB27}" type="datetime4">
               <a:rPr lang="en-US" smtClean="0"/>
               <a:pPr/>
-              <a:t>June 21, 2019</a:t>
+              <a:t>July 5, 2019</a:t>
             </a:fld>
             <a:endParaRPr lang="en-US"/>
           </a:p>
@@ -19079,8 +19143,20 @@
             <a:tbl>
               <a:tblPr/>
               <a:tblGrid>
-                <a:gridCol w="2304258"/>
-                <a:gridCol w="5477892"/>
+                <a:gridCol w="2304258">
+                  <a:extLst>
+                    <a:ext uri="{9D8B030D-6E8A-4147-A177-3AD203B41FA5}">
+                      <a16:colId xmlns:a16="http://schemas.microsoft.com/office/drawing/2014/main" val="20000"/>
+                    </a:ext>
+                  </a:extLst>
+                </a:gridCol>
+                <a:gridCol w="5477892">
+                  <a:extLst>
+                    <a:ext uri="{9D8B030D-6E8A-4147-A177-3AD203B41FA5}">
+                      <a16:colId xmlns:a16="http://schemas.microsoft.com/office/drawing/2014/main" val="20001"/>
+                    </a:ext>
+                  </a:extLst>
+                </a:gridCol>
               </a:tblGrid>
               <a:tr h="912101">
                 <a:tc>
@@ -19336,6 +19412,11 @@
                     </a:solidFill>
                   </a:tcPr>
                 </a:tc>
+                <a:extLst>
+                  <a:ext uri="{0D108BD9-81ED-4DB2-BD59-A6C34878D82A}">
+                    <a16:rowId xmlns:a16="http://schemas.microsoft.com/office/drawing/2014/main" val="10000"/>
+                  </a:ext>
+                </a:extLst>
               </a:tr>
               <a:tr h="912101">
                 <a:tc>
@@ -19471,6 +19552,11 @@
                     </a:solidFill>
                   </a:tcPr>
                 </a:tc>
+                <a:extLst>
+                  <a:ext uri="{0D108BD9-81ED-4DB2-BD59-A6C34878D82A}">
+                    <a16:rowId xmlns:a16="http://schemas.microsoft.com/office/drawing/2014/main" val="10001"/>
+                  </a:ext>
+                </a:extLst>
               </a:tr>
               <a:tr h="912101">
                 <a:tc>
@@ -19606,6 +19692,11 @@
                     </a:solidFill>
                   </a:tcPr>
                 </a:tc>
+                <a:extLst>
+                  <a:ext uri="{0D108BD9-81ED-4DB2-BD59-A6C34878D82A}">
+                    <a16:rowId xmlns:a16="http://schemas.microsoft.com/office/drawing/2014/main" val="10002"/>
+                  </a:ext>
+                </a:extLst>
               </a:tr>
             </a:tbl>
           </a:graphicData>
@@ -19659,7 +19750,7 @@
             <a:fld id="{05A93482-8E69-40F7-BCAD-5662A6CADB27}" type="datetime4">
               <a:rPr lang="en-US" smtClean="0"/>
               <a:pPr/>
-              <a:t>June 21, 2019</a:t>
+              <a:t>July 5, 2019</a:t>
             </a:fld>
             <a:endParaRPr lang="en-US"/>
           </a:p>
@@ -20283,7 +20374,7 @@
                 <a:ea typeface="Yu Gothic UI Semilight" pitchFamily="34" charset="-128"/>
               </a:rPr>
               <a:pPr/>
-              <a:t>June 21, 2019</a:t>
+              <a:t>July 5, 2019</a:t>
             </a:fld>
             <a:endParaRPr lang="en-US">
               <a:latin typeface="Yu Gothic UI Semilight" pitchFamily="34" charset="-128"/>
@@ -20867,7 +20958,7 @@
                 <a:ea typeface="Yu Gothic UI Semilight" pitchFamily="34" charset="-128"/>
               </a:rPr>
               <a:pPr/>
-              <a:t>June 21, 2019</a:t>
+              <a:t>July 5, 2019</a:t>
             </a:fld>
             <a:endParaRPr lang="en-US" sz="1400">
               <a:latin typeface="Yu Gothic UI Semilight" pitchFamily="34" charset="-128"/>
@@ -21661,7 +21752,7 @@
                 <a:ea typeface="Yu Gothic UI Semilight" pitchFamily="34" charset="-128"/>
               </a:rPr>
               <a:pPr/>
-              <a:t>June 21, 2019</a:t>
+              <a:t>July 5, 2019</a:t>
             </a:fld>
             <a:endParaRPr lang="en-US">
               <a:latin typeface="Yu Gothic UI Semilight" pitchFamily="34" charset="-128"/>
@@ -22455,7 +22546,7 @@
                 <a:ea typeface="Yu Gothic UI Semilight" pitchFamily="34" charset="-128"/>
               </a:rPr>
               <a:pPr/>
-              <a:t>June 21, 2019</a:t>
+              <a:t>July 5, 2019</a:t>
             </a:fld>
             <a:endParaRPr lang="en-US">
               <a:latin typeface="Yu Gothic UI Semilight" pitchFamily="34" charset="-128"/>
@@ -22823,19 +22914,8 @@
                 <a:latin typeface="Yu Gothic UI Semilight" pitchFamily="34" charset="-128"/>
                 <a:ea typeface="Yu Gothic UI Semilight" pitchFamily="34" charset="-128"/>
               </a:rPr>
-              <a:t>(0,0,200,0);	</a:t>
-            </a:r>
-            <a:r>
-              <a:rPr lang="en-US" altLang="zh-CN" dirty="0" smtClean="0">
-                <a:latin typeface="Yu Gothic UI Semilight" pitchFamily="34" charset="-128"/>
-                <a:ea typeface="Yu Gothic UI Semilight" pitchFamily="34" charset="-128"/>
-              </a:rPr>
-              <a:t>//</a:t>
-            </a:r>
-            <a:endParaRPr lang="en-US" altLang="zh-CN" dirty="0" smtClean="0">
-              <a:latin typeface="Yu Gothic UI Semilight" pitchFamily="34" charset="-128"/>
-              <a:ea typeface="Yu Gothic UI Semilight" pitchFamily="34" charset="-128"/>
-            </a:endParaRPr>
+              <a:t>(0,0,200,0);	//</a:t>
+            </a:r>
           </a:p>
           <a:p>
             <a:pPr>
@@ -22855,14 +22935,7 @@
                 <a:latin typeface="Yu Gothic UI Semilight" pitchFamily="34" charset="-128"/>
                 <a:ea typeface="Yu Gothic UI Semilight" pitchFamily="34" charset="-128"/>
               </a:rPr>
-              <a:t>(0</a:t>
-            </a:r>
-            <a:r>
-              <a:rPr lang="en-US" altLang="zh-CN" dirty="0" smtClean="0">
-                <a:latin typeface="Yu Gothic UI Semilight" pitchFamily="34" charset="-128"/>
-                <a:ea typeface="Yu Gothic UI Semilight" pitchFamily="34" charset="-128"/>
-              </a:rPr>
-              <a:t>,“red”);			//</a:t>
+              <a:t>(0,“red”);			//</a:t>
             </a:r>
             <a:r>
               <a:rPr lang="zh-CN" altLang="en-US" dirty="0" smtClean="0">

--- a/PPT/H5新特性--10个.pptx
+++ b/PPT/H5新特性--10个.pptx
@@ -2896,7 +2896,7 @@
             <a:fld id="{0A98AF03-7270-45C2-A683-C5E353EF01A5}" type="datetime4">
               <a:rPr lang="en-US" smtClean="0"/>
               <a:pPr/>
-              <a:t>July 5, 2019</a:t>
+              <a:t>July 12, 2019</a:t>
             </a:fld>
             <a:endParaRPr lang="en-US" dirty="0"/>
           </a:p>
@@ -3183,7 +3183,7 @@
             <a:fld id="{A2FB5AFD-D735-4504-A039-ADEBB6448D55}" type="datetime4">
               <a:rPr lang="en-US" smtClean="0"/>
               <a:pPr/>
-              <a:t>July 5, 2019</a:t>
+              <a:t>July 12, 2019</a:t>
             </a:fld>
             <a:endParaRPr lang="en-US"/>
           </a:p>
@@ -3360,7 +3360,7 @@
             <a:fld id="{AB5C8118-FB93-4E87-B380-0175F2FE2167}" type="datetime4">
               <a:rPr lang="en-US" smtClean="0"/>
               <a:pPr/>
-              <a:t>July 5, 2019</a:t>
+              <a:t>July 12, 2019</a:t>
             </a:fld>
             <a:endParaRPr lang="en-US"/>
           </a:p>
@@ -3527,7 +3527,7 @@
             <a:fld id="{05A93482-8E69-40F7-BCAD-5662A6CADB27}" type="datetime4">
               <a:rPr lang="en-US" smtClean="0"/>
               <a:pPr/>
-              <a:t>July 5, 2019</a:t>
+              <a:t>July 12, 2019</a:t>
             </a:fld>
             <a:endParaRPr lang="en-US"/>
           </a:p>
@@ -3770,7 +3770,7 @@
             <a:fld id="{FBB7EAE1-CAAC-4AEF-919E-158692B1E55E}" type="datetime4">
               <a:rPr lang="en-US" smtClean="0"/>
               <a:pPr/>
-              <a:t>July 5, 2019</a:t>
+              <a:t>July 12, 2019</a:t>
             </a:fld>
             <a:endParaRPr lang="en-US"/>
           </a:p>
@@ -3885,7 +3885,7 @@
             <a:fld id="{9525A706-D8F2-4D1A-855A-CADC92600C26}" type="datetime4">
               <a:rPr lang="en-US" smtClean="0"/>
               <a:pPr/>
-              <a:t>July 5, 2019</a:t>
+              <a:t>July 12, 2019</a:t>
             </a:fld>
             <a:endParaRPr lang="en-US"/>
           </a:p>
@@ -4426,7 +4426,7 @@
             <a:fld id="{99B4F123-1704-49AC-9D15-C4B1462B8014}" type="datetime4">
               <a:rPr lang="en-US" smtClean="0"/>
               <a:pPr/>
-              <a:t>July 5, 2019</a:t>
+              <a:t>July 12, 2019</a:t>
             </a:fld>
             <a:endParaRPr lang="en-US"/>
           </a:p>
@@ -4541,7 +4541,7 @@
             <a:fld id="{E3127EC2-47FB-48A1-8644-C8A81DDAA119}" type="datetime4">
               <a:rPr lang="en-US" smtClean="0"/>
               <a:pPr/>
-              <a:t>July 5, 2019</a:t>
+              <a:t>July 12, 2019</a:t>
             </a:fld>
             <a:endParaRPr lang="en-US"/>
           </a:p>
@@ -4633,7 +4633,7 @@
             <a:fld id="{AE3EC3ED-7435-49F9-84C8-03CCA2F8DEDB}" type="datetime4">
               <a:rPr lang="en-US" smtClean="0"/>
               <a:pPr/>
-              <a:t>July 5, 2019</a:t>
+              <a:t>July 12, 2019</a:t>
             </a:fld>
             <a:endParaRPr lang="en-US"/>
           </a:p>
@@ -7286,7 +7286,7 @@
             <a:fld id="{3FC49BF1-FCD3-4395-8FF6-0047AF66228E}" type="datetime4">
               <a:rPr lang="en-US" smtClean="0"/>
               <a:pPr/>
-              <a:t>July 5, 2019</a:t>
+              <a:t>July 12, 2019</a:t>
             </a:fld>
             <a:endParaRPr lang="en-US"/>
           </a:p>
@@ -10500,7 +10500,7 @@
             <a:fld id="{CA861222-2C8B-4501-BE87-6797EC025925}" type="datetime4">
               <a:rPr lang="en-US" smtClean="0"/>
               <a:pPr/>
-              <a:t>July 5, 2019</a:t>
+              <a:t>July 12, 2019</a:t>
             </a:fld>
             <a:endParaRPr lang="en-US"/>
           </a:p>
@@ -13324,7 +13324,7 @@
             <a:fld id="{16C01193-8287-4834-A286-6B880643E934}" type="datetime4">
               <a:rPr lang="en-US" smtClean="0"/>
               <a:pPr/>
-              <a:t>July 5, 2019</a:t>
+              <a:t>July 12, 2019</a:t>
             </a:fld>
             <a:endParaRPr lang="en-US"/>
           </a:p>
@@ -13876,7 +13876,7 @@
             <a:fld id="{0A98AF03-7270-45C2-A683-C5E353EF01A5}" type="datetime4">
               <a:rPr lang="en-US" smtClean="0"/>
               <a:pPr/>
-              <a:t>July 5, 2019</a:t>
+              <a:t>July 12, 2019</a:t>
             </a:fld>
             <a:endParaRPr lang="en-US" dirty="0"/>
           </a:p>
@@ -14168,7 +14168,7 @@
             <a:fld id="{05A93482-8E69-40F7-BCAD-5662A6CADB27}" type="datetime4">
               <a:rPr lang="en-US" smtClean="0"/>
               <a:pPr/>
-              <a:t>July 5, 2019</a:t>
+              <a:t>July 12, 2019</a:t>
             </a:fld>
             <a:endParaRPr lang="en-US"/>
           </a:p>
@@ -14530,7 +14530,7 @@
             <a:fld id="{05A93482-8E69-40F7-BCAD-5662A6CADB27}" type="datetime4">
               <a:rPr lang="en-US" smtClean="0"/>
               <a:pPr/>
-              <a:t>July 5, 2019</a:t>
+              <a:t>July 12, 2019</a:t>
             </a:fld>
             <a:endParaRPr lang="en-US"/>
           </a:p>
@@ -14673,7 +14673,7 @@
             <a:fld id="{05A93482-8E69-40F7-BCAD-5662A6CADB27}" type="datetime4">
               <a:rPr lang="en-US" smtClean="0"/>
               <a:pPr/>
-              <a:t>July 5, 2019</a:t>
+              <a:t>July 12, 2019</a:t>
             </a:fld>
             <a:endParaRPr lang="en-US"/>
           </a:p>
@@ -15240,7 +15240,7 @@
             <a:fld id="{05A93482-8E69-40F7-BCAD-5662A6CADB27}" type="datetime4">
               <a:rPr lang="en-US" smtClean="0"/>
               <a:pPr/>
-              <a:t>July 5, 2019</a:t>
+              <a:t>July 12, 2019</a:t>
             </a:fld>
             <a:endParaRPr lang="en-US"/>
           </a:p>
@@ -15436,7 +15436,7 @@
             <a:fld id="{05A93482-8E69-40F7-BCAD-5662A6CADB27}" type="datetime4">
               <a:rPr lang="en-US" smtClean="0"/>
               <a:pPr/>
-              <a:t>July 5, 2019</a:t>
+              <a:t>July 12, 2019</a:t>
             </a:fld>
             <a:endParaRPr lang="en-US"/>
           </a:p>
@@ -15858,7 +15858,7 @@
             <a:fld id="{05A93482-8E69-40F7-BCAD-5662A6CADB27}" type="datetime4">
               <a:rPr lang="en-US" smtClean="0"/>
               <a:pPr/>
-              <a:t>July 5, 2019</a:t>
+              <a:t>July 12, 2019</a:t>
             </a:fld>
             <a:endParaRPr lang="en-US"/>
           </a:p>
@@ -15927,10 +15927,16 @@
               <a:t>----</a:t>
             </a:r>
             <a:r>
-              <a:rPr lang="en-US" altLang="zh-CN" sz="3600" dirty="0" smtClean="0"/>
+              <a:rPr lang="en-US" altLang="zh-CN" sz="3600" dirty="0" smtClean="0">
+                <a:latin typeface="Calibri Light" panose="020F0302020204030204" pitchFamily="34" charset="0"/>
+                <a:cs typeface="Calibri Light" panose="020F0302020204030204" pitchFamily="34" charset="0"/>
+              </a:rPr>
               <a:t>Web Socket</a:t>
             </a:r>
-            <a:endParaRPr lang="zh-CN" altLang="en-US" sz="3600" b="1" dirty="0"/>
+            <a:endParaRPr lang="zh-CN" altLang="en-US" sz="3600" b="1" dirty="0">
+              <a:latin typeface="Calibri Light" panose="020F0302020204030204" pitchFamily="34" charset="0"/>
+              <a:cs typeface="Calibri Light" panose="020F0302020204030204" pitchFamily="34" charset="0"/>
+            </a:endParaRPr>
           </a:p>
         </p:txBody>
       </p:sp>
@@ -15996,17 +16002,10 @@
                 <a:latin typeface="Yu Gothic UI Semilight" pitchFamily="34" charset="-128"/>
                 <a:ea typeface="Yu Gothic UI Semilight" pitchFamily="34" charset="-128"/>
               </a:rPr>
-              <a:t>连接上进行全双工通讯的</a:t>
-            </a:r>
-            <a:r>
-              <a:rPr lang="zh-CN" altLang="en-US" sz="2800">
-                <a:latin typeface="Yu Gothic UI Semilight" pitchFamily="34" charset="-128"/>
-                <a:ea typeface="Yu Gothic UI Semilight" pitchFamily="34" charset="-128"/>
-              </a:rPr>
-              <a:t>协议</a:t>
-            </a:r>
-            <a:r>
-              <a:rPr lang="zh-CN" altLang="en-US" sz="2800" smtClean="0">
+              <a:t>连接上进行全双工通讯的协议</a:t>
+            </a:r>
+            <a:r>
+              <a:rPr lang="zh-CN" altLang="en-US" sz="2800" dirty="0" smtClean="0">
                 <a:latin typeface="Yu Gothic UI Semilight" pitchFamily="34" charset="-128"/>
                 <a:ea typeface="Yu Gothic UI Semilight" pitchFamily="34" charset="-128"/>
               </a:rPr>
@@ -16098,7 +16097,7 @@
             <a:fld id="{05A93482-8E69-40F7-BCAD-5662A6CADB27}" type="datetime4">
               <a:rPr lang="en-US" smtClean="0"/>
               <a:pPr/>
-              <a:t>July 5, 2019</a:t>
+              <a:t>July 12, 2019</a:t>
             </a:fld>
             <a:endParaRPr lang="en-US"/>
           </a:p>
@@ -16479,7 +16478,7 @@
             <a:fld id="{05A93482-8E69-40F7-BCAD-5662A6CADB27}" type="datetime4">
               <a:rPr lang="en-US" smtClean="0"/>
               <a:pPr/>
-              <a:t>July 5, 2019</a:t>
+              <a:t>July 12, 2019</a:t>
             </a:fld>
             <a:endParaRPr lang="en-US"/>
           </a:p>
@@ -17022,7 +17021,7 @@
             <a:fld id="{05A93482-8E69-40F7-BCAD-5662A6CADB27}" type="datetime4">
               <a:rPr lang="en-US" smtClean="0"/>
               <a:pPr/>
-              <a:t>July 5, 2019</a:t>
+              <a:t>July 12, 2019</a:t>
             </a:fld>
             <a:endParaRPr lang="en-US"/>
           </a:p>
@@ -18975,7 +18974,7 @@
             <a:fld id="{05A93482-8E69-40F7-BCAD-5662A6CADB27}" type="datetime4">
               <a:rPr lang="en-US" smtClean="0"/>
               <a:pPr/>
-              <a:t>July 5, 2019</a:t>
+              <a:t>July 12, 2019</a:t>
             </a:fld>
             <a:endParaRPr lang="en-US"/>
           </a:p>
@@ -19750,7 +19749,7 @@
             <a:fld id="{05A93482-8E69-40F7-BCAD-5662A6CADB27}" type="datetime4">
               <a:rPr lang="en-US" smtClean="0"/>
               <a:pPr/>
-              <a:t>July 5, 2019</a:t>
+              <a:t>July 12, 2019</a:t>
             </a:fld>
             <a:endParaRPr lang="en-US"/>
           </a:p>
@@ -20374,7 +20373,7 @@
                 <a:ea typeface="Yu Gothic UI Semilight" pitchFamily="34" charset="-128"/>
               </a:rPr>
               <a:pPr/>
-              <a:t>July 5, 2019</a:t>
+              <a:t>July 12, 2019</a:t>
             </a:fld>
             <a:endParaRPr lang="en-US">
               <a:latin typeface="Yu Gothic UI Semilight" pitchFamily="34" charset="-128"/>
@@ -20958,7 +20957,7 @@
                 <a:ea typeface="Yu Gothic UI Semilight" pitchFamily="34" charset="-128"/>
               </a:rPr>
               <a:pPr/>
-              <a:t>July 5, 2019</a:t>
+              <a:t>July 12, 2019</a:t>
             </a:fld>
             <a:endParaRPr lang="en-US" sz="1400">
               <a:latin typeface="Yu Gothic UI Semilight" pitchFamily="34" charset="-128"/>
@@ -21752,7 +21751,7 @@
                 <a:ea typeface="Yu Gothic UI Semilight" pitchFamily="34" charset="-128"/>
               </a:rPr>
               <a:pPr/>
-              <a:t>July 5, 2019</a:t>
+              <a:t>July 12, 2019</a:t>
             </a:fld>
             <a:endParaRPr lang="en-US">
               <a:latin typeface="Yu Gothic UI Semilight" pitchFamily="34" charset="-128"/>
@@ -22546,7 +22545,7 @@
                 <a:ea typeface="Yu Gothic UI Semilight" pitchFamily="34" charset="-128"/>
               </a:rPr>
               <a:pPr/>
-              <a:t>July 5, 2019</a:t>
+              <a:t>July 12, 2019</a:t>
             </a:fld>
             <a:endParaRPr lang="en-US">
               <a:latin typeface="Yu Gothic UI Semilight" pitchFamily="34" charset="-128"/>
